--- a/4 Semestre/Projeto de Desenvolvimento/Controlei/Apresentação1.pptx
+++ b/4 Semestre/Projeto de Desenvolvimento/Controlei/Apresentação1.pptx
@@ -269,7 +269,7 @@
           <a:p>
             <a:fld id="{EEC9CF92-F7C5-41F4-B4D1-9BF7DA2B3F52}" type="datetimeFigureOut">
               <a:rPr lang="pt-BR" smtClean="0"/>
-              <a:t>17/10/2021</a:t>
+              <a:t>18/10/2021</a:t>
             </a:fld>
             <a:endParaRPr lang="pt-BR"/>
           </a:p>
@@ -467,7 +467,7 @@
           <a:p>
             <a:fld id="{EEC9CF92-F7C5-41F4-B4D1-9BF7DA2B3F52}" type="datetimeFigureOut">
               <a:rPr lang="pt-BR" smtClean="0"/>
-              <a:t>17/10/2021</a:t>
+              <a:t>18/10/2021</a:t>
             </a:fld>
             <a:endParaRPr lang="pt-BR"/>
           </a:p>
@@ -675,7 +675,7 @@
           <a:p>
             <a:fld id="{EEC9CF92-F7C5-41F4-B4D1-9BF7DA2B3F52}" type="datetimeFigureOut">
               <a:rPr lang="pt-BR" smtClean="0"/>
-              <a:t>17/10/2021</a:t>
+              <a:t>18/10/2021</a:t>
             </a:fld>
             <a:endParaRPr lang="pt-BR"/>
           </a:p>
@@ -873,7 +873,7 @@
           <a:p>
             <a:fld id="{EEC9CF92-F7C5-41F4-B4D1-9BF7DA2B3F52}" type="datetimeFigureOut">
               <a:rPr lang="pt-BR" smtClean="0"/>
-              <a:t>17/10/2021</a:t>
+              <a:t>18/10/2021</a:t>
             </a:fld>
             <a:endParaRPr lang="pt-BR"/>
           </a:p>
@@ -1148,7 +1148,7 @@
           <a:p>
             <a:fld id="{EEC9CF92-F7C5-41F4-B4D1-9BF7DA2B3F52}" type="datetimeFigureOut">
               <a:rPr lang="pt-BR" smtClean="0"/>
-              <a:t>17/10/2021</a:t>
+              <a:t>18/10/2021</a:t>
             </a:fld>
             <a:endParaRPr lang="pt-BR"/>
           </a:p>
@@ -1413,7 +1413,7 @@
           <a:p>
             <a:fld id="{EEC9CF92-F7C5-41F4-B4D1-9BF7DA2B3F52}" type="datetimeFigureOut">
               <a:rPr lang="pt-BR" smtClean="0"/>
-              <a:t>17/10/2021</a:t>
+              <a:t>18/10/2021</a:t>
             </a:fld>
             <a:endParaRPr lang="pt-BR"/>
           </a:p>
@@ -1825,7 +1825,7 @@
           <a:p>
             <a:fld id="{EEC9CF92-F7C5-41F4-B4D1-9BF7DA2B3F52}" type="datetimeFigureOut">
               <a:rPr lang="pt-BR" smtClean="0"/>
-              <a:t>17/10/2021</a:t>
+              <a:t>18/10/2021</a:t>
             </a:fld>
             <a:endParaRPr lang="pt-BR"/>
           </a:p>
@@ -1966,7 +1966,7 @@
           <a:p>
             <a:fld id="{EEC9CF92-F7C5-41F4-B4D1-9BF7DA2B3F52}" type="datetimeFigureOut">
               <a:rPr lang="pt-BR" smtClean="0"/>
-              <a:t>17/10/2021</a:t>
+              <a:t>18/10/2021</a:t>
             </a:fld>
             <a:endParaRPr lang="pt-BR"/>
           </a:p>
@@ -2079,7 +2079,7 @@
           <a:p>
             <a:fld id="{EEC9CF92-F7C5-41F4-B4D1-9BF7DA2B3F52}" type="datetimeFigureOut">
               <a:rPr lang="pt-BR" smtClean="0"/>
-              <a:t>17/10/2021</a:t>
+              <a:t>18/10/2021</a:t>
             </a:fld>
             <a:endParaRPr lang="pt-BR"/>
           </a:p>
@@ -2390,7 +2390,7 @@
           <a:p>
             <a:fld id="{EEC9CF92-F7C5-41F4-B4D1-9BF7DA2B3F52}" type="datetimeFigureOut">
               <a:rPr lang="pt-BR" smtClean="0"/>
-              <a:t>17/10/2021</a:t>
+              <a:t>18/10/2021</a:t>
             </a:fld>
             <a:endParaRPr lang="pt-BR"/>
           </a:p>
@@ -2678,7 +2678,7 @@
           <a:p>
             <a:fld id="{EEC9CF92-F7C5-41F4-B4D1-9BF7DA2B3F52}" type="datetimeFigureOut">
               <a:rPr lang="pt-BR" smtClean="0"/>
-              <a:t>17/10/2021</a:t>
+              <a:t>18/10/2021</a:t>
             </a:fld>
             <a:endParaRPr lang="pt-BR"/>
           </a:p>
@@ -2919,7 +2919,7 @@
           <a:p>
             <a:fld id="{EEC9CF92-F7C5-41F4-B4D1-9BF7DA2B3F52}" type="datetimeFigureOut">
               <a:rPr lang="pt-BR" smtClean="0"/>
-              <a:t>17/10/2021</a:t>
+              <a:t>18/10/2021</a:t>
             </a:fld>
             <a:endParaRPr lang="pt-BR"/>
           </a:p>
@@ -4011,6 +4011,555 @@
           </a:p>
         </p:txBody>
       </p:sp>
+      <p:grpSp>
+        <p:nvGrpSpPr>
+          <p:cNvPr id="6" name="Agrupar 5">
+            <a:extLst>
+              <a:ext uri="{FF2B5EF4-FFF2-40B4-BE49-F238E27FC236}">
+                <a16:creationId xmlns:a16="http://schemas.microsoft.com/office/drawing/2014/main" id="{23DBCC19-6D1E-4055-90BF-ED8D23ADCD49}"/>
+              </a:ext>
+            </a:extLst>
+          </p:cNvPr>
+          <p:cNvGrpSpPr/>
+          <p:nvPr/>
+        </p:nvGrpSpPr>
+        <p:grpSpPr>
+          <a:xfrm>
+            <a:off x="2712722" y="1984779"/>
+            <a:ext cx="2948618" cy="1833937"/>
+            <a:chOff x="557059" y="597736"/>
+            <a:chExt cx="4486889" cy="2632161"/>
+          </a:xfrm>
+        </p:grpSpPr>
+        <p:sp>
+          <p:nvSpPr>
+            <p:cNvPr id="7" name="Retângulo 6">
+              <a:extLst>
+                <a:ext uri="{FF2B5EF4-FFF2-40B4-BE49-F238E27FC236}">
+                  <a16:creationId xmlns:a16="http://schemas.microsoft.com/office/drawing/2014/main" id="{F5E828E7-83F5-41E8-99A4-5D794B3C7AB0}"/>
+                </a:ext>
+              </a:extLst>
+            </p:cNvPr>
+            <p:cNvSpPr/>
+            <p:nvPr/>
+          </p:nvSpPr>
+          <p:spPr>
+            <a:xfrm>
+              <a:off x="557059" y="597736"/>
+              <a:ext cx="4486889" cy="2632161"/>
+            </a:xfrm>
+            <a:prstGeom prst="rect">
+              <a:avLst/>
+            </a:prstGeom>
+            <a:solidFill>
+              <a:srgbClr val="1F3447"/>
+            </a:solidFill>
+          </p:spPr>
+          <p:style>
+            <a:lnRef idx="2">
+              <a:schemeClr val="accent1">
+                <a:shade val="50000"/>
+              </a:schemeClr>
+            </a:lnRef>
+            <a:fillRef idx="1">
+              <a:schemeClr val="accent1"/>
+            </a:fillRef>
+            <a:effectRef idx="0">
+              <a:schemeClr val="accent1"/>
+            </a:effectRef>
+            <a:fontRef idx="minor">
+              <a:schemeClr val="lt1"/>
+            </a:fontRef>
+          </p:style>
+          <p:txBody>
+            <a:bodyPr rtlCol="0" anchor="ctr"/>
+            <a:lstStyle/>
+            <a:p>
+              <a:pPr algn="ctr"/>
+              <a:endParaRPr lang="pt-BR"/>
+            </a:p>
+          </p:txBody>
+        </p:sp>
+        <p:sp>
+          <p:nvSpPr>
+            <p:cNvPr id="9" name="Retângulo 8">
+              <a:extLst>
+                <a:ext uri="{FF2B5EF4-FFF2-40B4-BE49-F238E27FC236}">
+                  <a16:creationId xmlns:a16="http://schemas.microsoft.com/office/drawing/2014/main" id="{9C4965E4-FA55-41BD-AA88-F7685E783289}"/>
+                </a:ext>
+              </a:extLst>
+            </p:cNvPr>
+            <p:cNvSpPr/>
+            <p:nvPr/>
+          </p:nvSpPr>
+          <p:spPr>
+            <a:xfrm>
+              <a:off x="693174" y="715298"/>
+              <a:ext cx="4241506" cy="2408776"/>
+            </a:xfrm>
+            <a:prstGeom prst="rect">
+              <a:avLst/>
+            </a:prstGeom>
+            <a:solidFill>
+              <a:srgbClr val="1F3447"/>
+            </a:solidFill>
+            <a:ln>
+              <a:solidFill>
+                <a:srgbClr val="EAE9DE"/>
+              </a:solidFill>
+            </a:ln>
+          </p:spPr>
+          <p:style>
+            <a:lnRef idx="2">
+              <a:schemeClr val="accent1">
+                <a:shade val="50000"/>
+              </a:schemeClr>
+            </a:lnRef>
+            <a:fillRef idx="1">
+              <a:schemeClr val="accent1"/>
+            </a:fillRef>
+            <a:effectRef idx="0">
+              <a:schemeClr val="accent1"/>
+            </a:effectRef>
+            <a:fontRef idx="minor">
+              <a:schemeClr val="lt1"/>
+            </a:fontRef>
+          </p:style>
+          <p:txBody>
+            <a:bodyPr rtlCol="0" anchor="ctr"/>
+            <a:lstStyle/>
+            <a:p>
+              <a:pPr algn="ctr"/>
+              <a:r>
+                <a:rPr lang="pt-BR" dirty="0">
+                  <a:latin typeface="Arial Black" panose="020B0A04020102020204" pitchFamily="34" charset="0"/>
+                </a:rPr>
+                <a:t>Cadastro de Despesas</a:t>
+              </a:r>
+            </a:p>
+          </p:txBody>
+        </p:sp>
+      </p:grpSp>
+      <p:grpSp>
+        <p:nvGrpSpPr>
+          <p:cNvPr id="10" name="Agrupar 9">
+            <a:extLst>
+              <a:ext uri="{FF2B5EF4-FFF2-40B4-BE49-F238E27FC236}">
+                <a16:creationId xmlns:a16="http://schemas.microsoft.com/office/drawing/2014/main" id="{863E9AF5-CE98-4528-BBC4-A5C2C82DA572}"/>
+              </a:ext>
+            </a:extLst>
+          </p:cNvPr>
+          <p:cNvGrpSpPr/>
+          <p:nvPr/>
+        </p:nvGrpSpPr>
+        <p:grpSpPr>
+          <a:xfrm>
+            <a:off x="6564303" y="1984779"/>
+            <a:ext cx="2969058" cy="1833937"/>
+            <a:chOff x="557059" y="597736"/>
+            <a:chExt cx="4486889" cy="2632161"/>
+          </a:xfrm>
+          <a:solidFill>
+            <a:srgbClr val="FFC000"/>
+          </a:solidFill>
+        </p:grpSpPr>
+        <p:sp>
+          <p:nvSpPr>
+            <p:cNvPr id="11" name="Retângulo 10">
+              <a:extLst>
+                <a:ext uri="{FF2B5EF4-FFF2-40B4-BE49-F238E27FC236}">
+                  <a16:creationId xmlns:a16="http://schemas.microsoft.com/office/drawing/2014/main" id="{235BA01F-AEBE-4CE5-96CA-8E3F9A559701}"/>
+                </a:ext>
+              </a:extLst>
+            </p:cNvPr>
+            <p:cNvSpPr/>
+            <p:nvPr/>
+          </p:nvSpPr>
+          <p:spPr>
+            <a:xfrm>
+              <a:off x="557059" y="597736"/>
+              <a:ext cx="4486889" cy="2632161"/>
+            </a:xfrm>
+            <a:prstGeom prst="rect">
+              <a:avLst/>
+            </a:prstGeom>
+            <a:grpFill/>
+          </p:spPr>
+          <p:style>
+            <a:lnRef idx="2">
+              <a:schemeClr val="accent1">
+                <a:shade val="50000"/>
+              </a:schemeClr>
+            </a:lnRef>
+            <a:fillRef idx="1">
+              <a:schemeClr val="accent1"/>
+            </a:fillRef>
+            <a:effectRef idx="0">
+              <a:schemeClr val="accent1"/>
+            </a:effectRef>
+            <a:fontRef idx="minor">
+              <a:schemeClr val="lt1"/>
+            </a:fontRef>
+          </p:style>
+          <p:txBody>
+            <a:bodyPr rtlCol="0" anchor="ctr"/>
+            <a:lstStyle/>
+            <a:p>
+              <a:pPr algn="ctr"/>
+              <a:endParaRPr lang="pt-BR"/>
+            </a:p>
+          </p:txBody>
+        </p:sp>
+        <p:sp>
+          <p:nvSpPr>
+            <p:cNvPr id="12" name="Retângulo 11">
+              <a:extLst>
+                <a:ext uri="{FF2B5EF4-FFF2-40B4-BE49-F238E27FC236}">
+                  <a16:creationId xmlns:a16="http://schemas.microsoft.com/office/drawing/2014/main" id="{F81EEC03-296B-449C-AEB6-29D8E71F55DC}"/>
+                </a:ext>
+              </a:extLst>
+            </p:cNvPr>
+            <p:cNvSpPr/>
+            <p:nvPr/>
+          </p:nvSpPr>
+          <p:spPr>
+            <a:xfrm>
+              <a:off x="693174" y="715298"/>
+              <a:ext cx="4241506" cy="2408776"/>
+            </a:xfrm>
+            <a:prstGeom prst="rect">
+              <a:avLst/>
+            </a:prstGeom>
+            <a:grpFill/>
+            <a:ln>
+              <a:solidFill>
+                <a:srgbClr val="EAE9DE"/>
+              </a:solidFill>
+            </a:ln>
+          </p:spPr>
+          <p:style>
+            <a:lnRef idx="2">
+              <a:schemeClr val="accent1">
+                <a:shade val="50000"/>
+              </a:schemeClr>
+            </a:lnRef>
+            <a:fillRef idx="1">
+              <a:schemeClr val="accent1"/>
+            </a:fillRef>
+            <a:effectRef idx="0">
+              <a:schemeClr val="accent1"/>
+            </a:effectRef>
+            <a:fontRef idx="minor">
+              <a:schemeClr val="lt1"/>
+            </a:fontRef>
+          </p:style>
+          <p:txBody>
+            <a:bodyPr rtlCol="0" anchor="ctr"/>
+            <a:lstStyle/>
+            <a:p>
+              <a:pPr algn="ctr"/>
+              <a:r>
+                <a:rPr lang="pt-BR" dirty="0">
+                  <a:latin typeface="Arial Black" panose="020B0A04020102020204" pitchFamily="34" charset="0"/>
+                </a:rPr>
+                <a:t>Limite para gastos</a:t>
+              </a:r>
+            </a:p>
+          </p:txBody>
+        </p:sp>
+      </p:grpSp>
+      <p:grpSp>
+        <p:nvGrpSpPr>
+          <p:cNvPr id="13" name="Agrupar 12">
+            <a:extLst>
+              <a:ext uri="{FF2B5EF4-FFF2-40B4-BE49-F238E27FC236}">
+                <a16:creationId xmlns:a16="http://schemas.microsoft.com/office/drawing/2014/main" id="{F6251FA7-3361-44AC-9FCF-0F3DB77681E4}"/>
+              </a:ext>
+            </a:extLst>
+          </p:cNvPr>
+          <p:cNvGrpSpPr/>
+          <p:nvPr/>
+        </p:nvGrpSpPr>
+        <p:grpSpPr>
+          <a:xfrm>
+            <a:off x="4001734" y="4324591"/>
+            <a:ext cx="2948618" cy="1833937"/>
+            <a:chOff x="557059" y="597736"/>
+            <a:chExt cx="4486889" cy="2632161"/>
+          </a:xfrm>
+          <a:solidFill>
+            <a:srgbClr val="FF6600"/>
+          </a:solidFill>
+        </p:grpSpPr>
+        <p:sp>
+          <p:nvSpPr>
+            <p:cNvPr id="14" name="Retângulo 13">
+              <a:extLst>
+                <a:ext uri="{FF2B5EF4-FFF2-40B4-BE49-F238E27FC236}">
+                  <a16:creationId xmlns:a16="http://schemas.microsoft.com/office/drawing/2014/main" id="{DF4C38C2-8851-4683-9B80-BAD6110AAFDE}"/>
+                </a:ext>
+              </a:extLst>
+            </p:cNvPr>
+            <p:cNvSpPr/>
+            <p:nvPr/>
+          </p:nvSpPr>
+          <p:spPr>
+            <a:xfrm>
+              <a:off x="557059" y="597736"/>
+              <a:ext cx="4486889" cy="2632161"/>
+            </a:xfrm>
+            <a:prstGeom prst="rect">
+              <a:avLst/>
+            </a:prstGeom>
+            <a:grpFill/>
+          </p:spPr>
+          <p:style>
+            <a:lnRef idx="2">
+              <a:schemeClr val="accent1">
+                <a:shade val="50000"/>
+              </a:schemeClr>
+            </a:lnRef>
+            <a:fillRef idx="1">
+              <a:schemeClr val="accent1"/>
+            </a:fillRef>
+            <a:effectRef idx="0">
+              <a:schemeClr val="accent1"/>
+            </a:effectRef>
+            <a:fontRef idx="minor">
+              <a:schemeClr val="lt1"/>
+            </a:fontRef>
+          </p:style>
+          <p:txBody>
+            <a:bodyPr rtlCol="0" anchor="ctr"/>
+            <a:lstStyle/>
+            <a:p>
+              <a:pPr algn="ctr"/>
+              <a:endParaRPr lang="pt-BR"/>
+            </a:p>
+          </p:txBody>
+        </p:sp>
+        <p:sp>
+          <p:nvSpPr>
+            <p:cNvPr id="15" name="Retângulo 14">
+              <a:extLst>
+                <a:ext uri="{FF2B5EF4-FFF2-40B4-BE49-F238E27FC236}">
+                  <a16:creationId xmlns:a16="http://schemas.microsoft.com/office/drawing/2014/main" id="{F7A807BA-C93E-41DC-8E18-2C4885D49F93}"/>
+                </a:ext>
+              </a:extLst>
+            </p:cNvPr>
+            <p:cNvSpPr/>
+            <p:nvPr/>
+          </p:nvSpPr>
+          <p:spPr>
+            <a:xfrm>
+              <a:off x="693174" y="715298"/>
+              <a:ext cx="4241506" cy="2408776"/>
+            </a:xfrm>
+            <a:prstGeom prst="rect">
+              <a:avLst/>
+            </a:prstGeom>
+            <a:grpFill/>
+            <a:ln>
+              <a:solidFill>
+                <a:srgbClr val="EAE9DE"/>
+              </a:solidFill>
+            </a:ln>
+          </p:spPr>
+          <p:style>
+            <a:lnRef idx="2">
+              <a:schemeClr val="accent1">
+                <a:shade val="50000"/>
+              </a:schemeClr>
+            </a:lnRef>
+            <a:fillRef idx="1">
+              <a:schemeClr val="accent1"/>
+            </a:fillRef>
+            <a:effectRef idx="0">
+              <a:schemeClr val="accent1"/>
+            </a:effectRef>
+            <a:fontRef idx="minor">
+              <a:schemeClr val="lt1"/>
+            </a:fontRef>
+          </p:style>
+          <p:txBody>
+            <a:bodyPr rtlCol="0" anchor="ctr"/>
+            <a:lstStyle/>
+            <a:p>
+              <a:pPr algn="ctr"/>
+              <a:r>
+                <a:rPr lang="pt-BR" dirty="0">
+                  <a:latin typeface="Arial Black" panose="020B0A04020102020204" pitchFamily="34" charset="0"/>
+                </a:rPr>
+                <a:t>Alerta de Vencimentos</a:t>
+              </a:r>
+            </a:p>
+          </p:txBody>
+        </p:sp>
+      </p:grpSp>
+      <p:pic>
+        <p:nvPicPr>
+          <p:cNvPr id="3" name="Imagem 2">
+            <a:extLst>
+              <a:ext uri="{FF2B5EF4-FFF2-40B4-BE49-F238E27FC236}">
+                <a16:creationId xmlns:a16="http://schemas.microsoft.com/office/drawing/2014/main" id="{89859727-2086-4520-9D09-ADC912D61DA1}"/>
+              </a:ext>
+            </a:extLst>
+          </p:cNvPr>
+          <p:cNvPicPr>
+            <a:picLocks noChangeAspect="1"/>
+          </p:cNvPicPr>
+          <p:nvPr/>
+        </p:nvPicPr>
+        <p:blipFill>
+          <a:blip r:embed="rId2">
+            <a:extLst>
+              <a:ext uri="{28A0092B-C50C-407E-A947-70E740481C1C}">
+                <a14:useLocalDpi xmlns:a14="http://schemas.microsoft.com/office/drawing/2010/main" val="0"/>
+              </a:ext>
+            </a:extLst>
+          </a:blip>
+          <a:stretch>
+            <a:fillRect/>
+          </a:stretch>
+        </p:blipFill>
+        <p:spPr>
+          <a:xfrm>
+            <a:off x="228399" y="4728624"/>
+            <a:ext cx="2009927" cy="2009927"/>
+          </a:xfrm>
+          <a:prstGeom prst="rect">
+            <a:avLst/>
+          </a:prstGeom>
+        </p:spPr>
+      </p:pic>
+      <p:grpSp>
+        <p:nvGrpSpPr>
+          <p:cNvPr id="16" name="Agrupar 15">
+            <a:extLst>
+              <a:ext uri="{FF2B5EF4-FFF2-40B4-BE49-F238E27FC236}">
+                <a16:creationId xmlns:a16="http://schemas.microsoft.com/office/drawing/2014/main" id="{9C4E71A1-0C79-4416-8FDC-D3547725F0F7}"/>
+              </a:ext>
+            </a:extLst>
+          </p:cNvPr>
+          <p:cNvGrpSpPr/>
+          <p:nvPr/>
+        </p:nvGrpSpPr>
+        <p:grpSpPr>
+          <a:xfrm>
+            <a:off x="7804977" y="4324591"/>
+            <a:ext cx="2948618" cy="1833937"/>
+            <a:chOff x="557059" y="597736"/>
+            <a:chExt cx="4486889" cy="2632161"/>
+          </a:xfrm>
+          <a:solidFill>
+            <a:srgbClr val="6D8EAD"/>
+          </a:solidFill>
+        </p:grpSpPr>
+        <p:sp>
+          <p:nvSpPr>
+            <p:cNvPr id="17" name="Retângulo 16">
+              <a:extLst>
+                <a:ext uri="{FF2B5EF4-FFF2-40B4-BE49-F238E27FC236}">
+                  <a16:creationId xmlns:a16="http://schemas.microsoft.com/office/drawing/2014/main" id="{45FB8353-AE23-4060-A93D-41283D614F65}"/>
+                </a:ext>
+              </a:extLst>
+            </p:cNvPr>
+            <p:cNvSpPr/>
+            <p:nvPr/>
+          </p:nvSpPr>
+          <p:spPr>
+            <a:xfrm>
+              <a:off x="557059" y="597736"/>
+              <a:ext cx="4486889" cy="2632161"/>
+            </a:xfrm>
+            <a:prstGeom prst="rect">
+              <a:avLst/>
+            </a:prstGeom>
+            <a:grpFill/>
+          </p:spPr>
+          <p:style>
+            <a:lnRef idx="2">
+              <a:schemeClr val="accent1">
+                <a:shade val="50000"/>
+              </a:schemeClr>
+            </a:lnRef>
+            <a:fillRef idx="1">
+              <a:schemeClr val="accent1"/>
+            </a:fillRef>
+            <a:effectRef idx="0">
+              <a:schemeClr val="accent1"/>
+            </a:effectRef>
+            <a:fontRef idx="minor">
+              <a:schemeClr val="lt1"/>
+            </a:fontRef>
+          </p:style>
+          <p:txBody>
+            <a:bodyPr rtlCol="0" anchor="ctr"/>
+            <a:lstStyle/>
+            <a:p>
+              <a:pPr algn="ctr"/>
+              <a:endParaRPr lang="pt-BR"/>
+            </a:p>
+          </p:txBody>
+        </p:sp>
+        <p:sp>
+          <p:nvSpPr>
+            <p:cNvPr id="18" name="Retângulo 17">
+              <a:extLst>
+                <a:ext uri="{FF2B5EF4-FFF2-40B4-BE49-F238E27FC236}">
+                  <a16:creationId xmlns:a16="http://schemas.microsoft.com/office/drawing/2014/main" id="{2BD8239D-6689-46F0-85E8-E55EAAA0E62C}"/>
+                </a:ext>
+              </a:extLst>
+            </p:cNvPr>
+            <p:cNvSpPr/>
+            <p:nvPr/>
+          </p:nvSpPr>
+          <p:spPr>
+            <a:xfrm>
+              <a:off x="693174" y="715298"/>
+              <a:ext cx="4241506" cy="2408776"/>
+            </a:xfrm>
+            <a:prstGeom prst="rect">
+              <a:avLst/>
+            </a:prstGeom>
+            <a:grpFill/>
+            <a:ln>
+              <a:solidFill>
+                <a:srgbClr val="EAE9DE"/>
+              </a:solidFill>
+            </a:ln>
+          </p:spPr>
+          <p:style>
+            <a:lnRef idx="2">
+              <a:schemeClr val="accent1">
+                <a:shade val="50000"/>
+              </a:schemeClr>
+            </a:lnRef>
+            <a:fillRef idx="1">
+              <a:schemeClr val="accent1"/>
+            </a:fillRef>
+            <a:effectRef idx="0">
+              <a:schemeClr val="accent1"/>
+            </a:effectRef>
+            <a:fontRef idx="minor">
+              <a:schemeClr val="lt1"/>
+            </a:fontRef>
+          </p:style>
+          <p:txBody>
+            <a:bodyPr rtlCol="0" anchor="ctr"/>
+            <a:lstStyle/>
+            <a:p>
+              <a:pPr algn="ctr"/>
+              <a:r>
+                <a:rPr lang="pt-BR" dirty="0">
+                  <a:latin typeface="Arial Black" panose="020B0A04020102020204" pitchFamily="34" charset="0"/>
+                </a:rPr>
+                <a:t>Relatórios</a:t>
+              </a:r>
+            </a:p>
+          </p:txBody>
+        </p:sp>
+      </p:grpSp>
     </p:spTree>
     <p:extLst>
       <p:ext uri="{BB962C8B-B14F-4D97-AF65-F5344CB8AC3E}">
@@ -6948,6 +7497,72 @@
           </a:p>
         </p:txBody>
       </p:sp>
+      <p:pic>
+        <p:nvPicPr>
+          <p:cNvPr id="7" name="Imagem 6">
+            <a:extLst>
+              <a:ext uri="{FF2B5EF4-FFF2-40B4-BE49-F238E27FC236}">
+                <a16:creationId xmlns:a16="http://schemas.microsoft.com/office/drawing/2014/main" id="{EA1C5703-EE25-43EB-981B-B01F267E6EFD}"/>
+              </a:ext>
+            </a:extLst>
+          </p:cNvPr>
+          <p:cNvPicPr>
+            <a:picLocks noChangeAspect="1"/>
+          </p:cNvPicPr>
+          <p:nvPr/>
+        </p:nvPicPr>
+        <p:blipFill>
+          <a:blip r:embed="rId2"/>
+          <a:stretch>
+            <a:fillRect/>
+          </a:stretch>
+        </p:blipFill>
+        <p:spPr>
+          <a:xfrm>
+            <a:off x="506393" y="5149002"/>
+            <a:ext cx="1342828" cy="1476000"/>
+          </a:xfrm>
+          <a:prstGeom prst="rect">
+            <a:avLst/>
+          </a:prstGeom>
+        </p:spPr>
+      </p:pic>
+      <p:pic>
+        <p:nvPicPr>
+          <p:cNvPr id="11" name="Imagem 10">
+            <a:extLst>
+              <a:ext uri="{FF2B5EF4-FFF2-40B4-BE49-F238E27FC236}">
+                <a16:creationId xmlns:a16="http://schemas.microsoft.com/office/drawing/2014/main" id="{B4D60ECD-FB2F-43AB-9408-CA98C25E6758}"/>
+              </a:ext>
+            </a:extLst>
+          </p:cNvPr>
+          <p:cNvPicPr>
+            <a:picLocks/>
+          </p:cNvPicPr>
+          <p:nvPr/>
+        </p:nvPicPr>
+        <p:blipFill>
+          <a:blip r:embed="rId3">
+            <a:extLst>
+              <a:ext uri="{28A0092B-C50C-407E-A947-70E740481C1C}">
+                <a14:useLocalDpi xmlns:a14="http://schemas.microsoft.com/office/drawing/2010/main" val="0"/>
+              </a:ext>
+            </a:extLst>
+          </a:blip>
+          <a:stretch>
+            <a:fillRect/>
+          </a:stretch>
+        </p:blipFill>
+        <p:spPr>
+          <a:xfrm>
+            <a:off x="495611" y="3340391"/>
+            <a:ext cx="1342800" cy="1476000"/>
+          </a:xfrm>
+          <a:prstGeom prst="rect">
+            <a:avLst/>
+          </a:prstGeom>
+        </p:spPr>
+      </p:pic>
     </p:spTree>
     <p:extLst>
       <p:ext uri="{BB962C8B-B14F-4D97-AF65-F5344CB8AC3E}">
